--- a/App組/App架構圖.pptx
+++ b/App組/App架構圖.pptx
@@ -6,6 +6,7 @@
   </p:sldMasterIdLst>
   <p:sldIdLst>
     <p:sldId id="256" r:id="rId2"/>
+    <p:sldId id="258" r:id="rId3"/>
   </p:sldIdLst>
   <p:sldSz cx="12192000" cy="6858000"/>
   <p:notesSz cx="6858000" cy="9144000"/>
@@ -104,6 +105,11 @@
       </a:defRPr>
     </a:lvl9pPr>
   </p:defaultTextStyle>
+  <p:extLst>
+    <p:ext uri="{EFAFB233-063F-42B5-8137-9DF3F51BA10A}">
+      <p15:sldGuideLst xmlns:p15="http://schemas.microsoft.com/office/powerpoint/2012/main"/>
+    </p:ext>
+  </p:extLst>
 </p:presentation>
 </file>
 
@@ -4124,6 +4130,551 @@
 </p:sld>
 </file>
 
+<file path=ppt/slides/slide2.xml><?xml version="1.0" encoding="utf-8"?>
+<p:sld xmlns:a="http://schemas.openxmlformats.org/drawingml/2006/main" xmlns:r="http://schemas.openxmlformats.org/officeDocument/2006/relationships" xmlns:p="http://schemas.openxmlformats.org/presentationml/2006/main">
+  <p:cSld>
+    <p:spTree>
+      <p:nvGrpSpPr>
+        <p:cNvPr id="1" name=""/>
+        <p:cNvGrpSpPr/>
+        <p:nvPr/>
+      </p:nvGrpSpPr>
+      <p:grpSpPr>
+        <a:xfrm>
+          <a:off x="0" y="0"/>
+          <a:ext cx="0" cy="0"/>
+          <a:chOff x="0" y="0"/>
+          <a:chExt cx="0" cy="0"/>
+        </a:xfrm>
+      </p:grpSpPr>
+      <p:sp>
+        <p:nvSpPr>
+          <p:cNvPr id="2" name="標題 1"/>
+          <p:cNvSpPr>
+            <a:spLocks noGrp="1"/>
+          </p:cNvSpPr>
+          <p:nvPr>
+            <p:ph type="title"/>
+          </p:nvPr>
+        </p:nvSpPr>
+        <p:spPr/>
+        <p:txBody>
+          <a:bodyPr/>
+          <a:lstStyle/>
+          <a:p>
+            <a:r>
+              <a:rPr lang="en-US" altLang="zh-TW" dirty="0" smtClean="0"/>
+              <a:t>Camera</a:t>
+            </a:r>
+            <a:r>
+              <a:rPr lang="zh-TW" altLang="en-US" dirty="0" smtClean="0"/>
+              <a:t>的架構圖</a:t>
+            </a:r>
+            <a:endParaRPr lang="zh-TW" altLang="en-US" dirty="0"/>
+          </a:p>
+        </p:txBody>
+      </p:sp>
+      <p:sp>
+        <p:nvSpPr>
+          <p:cNvPr id="6" name="平行四邊形 5"/>
+          <p:cNvSpPr/>
+          <p:nvPr/>
+        </p:nvSpPr>
+        <p:spPr>
+          <a:xfrm rot="18950856">
+            <a:off x="1569184" y="1468277"/>
+            <a:ext cx="4802138" cy="3189470"/>
+          </a:xfrm>
+          <a:prstGeom prst="parallelogram">
+            <a:avLst/>
+          </a:prstGeom>
+          <a:ln>
+            <a:solidFill>
+              <a:schemeClr val="accent1">
+                <a:lumMod val="50000"/>
+              </a:schemeClr>
+            </a:solidFill>
+          </a:ln>
+          <a:effectLst>
+            <a:outerShdw blurRad="50800" dist="38100" dir="18900000" algn="bl" rotWithShape="0">
+              <a:prstClr val="black">
+                <a:alpha val="40000"/>
+              </a:prstClr>
+            </a:outerShdw>
+          </a:effectLst>
+          <a:scene3d>
+            <a:camera prst="isometricOffAxis1Left"/>
+            <a:lightRig rig="threePt" dir="t"/>
+          </a:scene3d>
+        </p:spPr>
+        <p:style>
+          <a:lnRef idx="2">
+            <a:schemeClr val="accent1">
+              <a:shade val="50000"/>
+            </a:schemeClr>
+          </a:lnRef>
+          <a:fillRef idx="1">
+            <a:schemeClr val="accent1"/>
+          </a:fillRef>
+          <a:effectRef idx="0">
+            <a:schemeClr val="accent1"/>
+          </a:effectRef>
+          <a:fontRef idx="minor">
+            <a:schemeClr val="lt1"/>
+          </a:fontRef>
+        </p:style>
+        <p:txBody>
+          <a:bodyPr rtlCol="0" anchor="ctr"/>
+          <a:lstStyle/>
+          <a:p>
+            <a:pPr algn="ctr"/>
+            <a:endParaRPr lang="zh-TW" altLang="en-US"/>
+          </a:p>
+        </p:txBody>
+      </p:sp>
+      <p:sp>
+        <p:nvSpPr>
+          <p:cNvPr id="7" name="平行四邊形 6"/>
+          <p:cNvSpPr/>
+          <p:nvPr/>
+        </p:nvSpPr>
+        <p:spPr>
+          <a:xfrm rot="18950856">
+            <a:off x="847425" y="2351583"/>
+            <a:ext cx="4802138" cy="3189470"/>
+          </a:xfrm>
+          <a:prstGeom prst="parallelogram">
+            <a:avLst/>
+          </a:prstGeom>
+          <a:solidFill>
+            <a:schemeClr val="accent6">
+              <a:lumMod val="40000"/>
+              <a:lumOff val="60000"/>
+            </a:schemeClr>
+          </a:solidFill>
+          <a:ln>
+            <a:solidFill>
+              <a:schemeClr val="accent1">
+                <a:lumMod val="50000"/>
+              </a:schemeClr>
+            </a:solidFill>
+          </a:ln>
+          <a:effectLst>
+            <a:outerShdw blurRad="50800" dist="38100" dir="18900000" algn="bl" rotWithShape="0">
+              <a:prstClr val="black">
+                <a:alpha val="40000"/>
+              </a:prstClr>
+            </a:outerShdw>
+          </a:effectLst>
+          <a:scene3d>
+            <a:camera prst="isometricOffAxis1Left"/>
+            <a:lightRig rig="threePt" dir="t"/>
+          </a:scene3d>
+        </p:spPr>
+        <p:style>
+          <a:lnRef idx="2">
+            <a:schemeClr val="accent1">
+              <a:shade val="50000"/>
+            </a:schemeClr>
+          </a:lnRef>
+          <a:fillRef idx="1">
+            <a:schemeClr val="accent1"/>
+          </a:fillRef>
+          <a:effectRef idx="0">
+            <a:schemeClr val="accent1"/>
+          </a:effectRef>
+          <a:fontRef idx="minor">
+            <a:schemeClr val="lt1"/>
+          </a:fontRef>
+        </p:style>
+        <p:txBody>
+          <a:bodyPr rtlCol="0" anchor="ctr"/>
+          <a:lstStyle/>
+          <a:p>
+            <a:pPr algn="ctr"/>
+            <a:endParaRPr lang="zh-TW" altLang="en-US"/>
+          </a:p>
+        </p:txBody>
+      </p:sp>
+      <p:sp>
+        <p:nvSpPr>
+          <p:cNvPr id="8" name="平行四邊形 7"/>
+          <p:cNvSpPr/>
+          <p:nvPr/>
+        </p:nvSpPr>
+        <p:spPr>
+          <a:xfrm rot="18950856">
+            <a:off x="125665" y="3339393"/>
+            <a:ext cx="4802138" cy="3189470"/>
+          </a:xfrm>
+          <a:prstGeom prst="parallelogram">
+            <a:avLst/>
+          </a:prstGeom>
+          <a:ln>
+            <a:solidFill>
+              <a:schemeClr val="accent1">
+                <a:lumMod val="50000"/>
+              </a:schemeClr>
+            </a:solidFill>
+          </a:ln>
+          <a:effectLst>
+            <a:outerShdw blurRad="50800" dist="38100" dir="18900000" algn="bl" rotWithShape="0">
+              <a:prstClr val="black">
+                <a:alpha val="40000"/>
+              </a:prstClr>
+            </a:outerShdw>
+          </a:effectLst>
+          <a:scene3d>
+            <a:camera prst="isometricOffAxis1Left"/>
+            <a:lightRig rig="threePt" dir="t"/>
+          </a:scene3d>
+        </p:spPr>
+        <p:style>
+          <a:lnRef idx="2">
+            <a:schemeClr val="accent1">
+              <a:shade val="50000"/>
+            </a:schemeClr>
+          </a:lnRef>
+          <a:fillRef idx="1">
+            <a:schemeClr val="accent1"/>
+          </a:fillRef>
+          <a:effectRef idx="0">
+            <a:schemeClr val="accent1"/>
+          </a:effectRef>
+          <a:fontRef idx="minor">
+            <a:schemeClr val="lt1"/>
+          </a:fontRef>
+        </p:style>
+        <p:txBody>
+          <a:bodyPr rtlCol="0" anchor="ctr"/>
+          <a:lstStyle/>
+          <a:p>
+            <a:pPr algn="ctr"/>
+            <a:endParaRPr lang="zh-TW" altLang="en-US"/>
+          </a:p>
+        </p:txBody>
+      </p:sp>
+      <p:cxnSp>
+        <p:nvCxnSpPr>
+          <p:cNvPr id="14" name="直線單箭頭接點 13"/>
+          <p:cNvCxnSpPr/>
+          <p:nvPr/>
+        </p:nvCxnSpPr>
+        <p:spPr>
+          <a:xfrm flipV="1">
+            <a:off x="4606834" y="1227909"/>
+            <a:ext cx="2197005" cy="1105988"/>
+          </a:xfrm>
+          <a:prstGeom prst="straightConnector1">
+            <a:avLst/>
+          </a:prstGeom>
+          <a:ln>
+            <a:solidFill>
+              <a:schemeClr val="tx1"/>
+            </a:solidFill>
+            <a:tailEnd type="triangle"/>
+          </a:ln>
+        </p:spPr>
+        <p:style>
+          <a:lnRef idx="1">
+            <a:schemeClr val="accent1"/>
+          </a:lnRef>
+          <a:fillRef idx="0">
+            <a:schemeClr val="accent1"/>
+          </a:fillRef>
+          <a:effectRef idx="0">
+            <a:schemeClr val="accent1"/>
+          </a:effectRef>
+          <a:fontRef idx="minor">
+            <a:schemeClr val="tx1"/>
+          </a:fontRef>
+        </p:style>
+      </p:cxnSp>
+      <p:cxnSp>
+        <p:nvCxnSpPr>
+          <p:cNvPr id="16" name="直線單箭頭接點 15"/>
+          <p:cNvCxnSpPr/>
+          <p:nvPr/>
+        </p:nvCxnSpPr>
+        <p:spPr>
+          <a:xfrm flipV="1">
+            <a:off x="4223657" y="2553472"/>
+            <a:ext cx="2580182" cy="1095419"/>
+          </a:xfrm>
+          <a:prstGeom prst="straightConnector1">
+            <a:avLst/>
+          </a:prstGeom>
+          <a:ln>
+            <a:solidFill>
+              <a:schemeClr val="tx1"/>
+            </a:solidFill>
+            <a:tailEnd type="triangle"/>
+          </a:ln>
+        </p:spPr>
+        <p:style>
+          <a:lnRef idx="1">
+            <a:schemeClr val="accent1"/>
+          </a:lnRef>
+          <a:fillRef idx="0">
+            <a:schemeClr val="accent1"/>
+          </a:fillRef>
+          <a:effectRef idx="0">
+            <a:schemeClr val="accent1"/>
+          </a:effectRef>
+          <a:fontRef idx="minor">
+            <a:schemeClr val="tx1"/>
+          </a:fontRef>
+        </p:style>
+      </p:cxnSp>
+      <p:cxnSp>
+        <p:nvCxnSpPr>
+          <p:cNvPr id="18" name="直線單箭頭接點 17"/>
+          <p:cNvCxnSpPr/>
+          <p:nvPr/>
+        </p:nvCxnSpPr>
+        <p:spPr>
+          <a:xfrm flipV="1">
+            <a:off x="3587931" y="3754010"/>
+            <a:ext cx="3291840" cy="1035705"/>
+          </a:xfrm>
+          <a:prstGeom prst="straightConnector1">
+            <a:avLst/>
+          </a:prstGeom>
+          <a:ln>
+            <a:solidFill>
+              <a:schemeClr val="tx1"/>
+            </a:solidFill>
+            <a:tailEnd type="triangle"/>
+          </a:ln>
+        </p:spPr>
+        <p:style>
+          <a:lnRef idx="1">
+            <a:schemeClr val="accent1"/>
+          </a:lnRef>
+          <a:fillRef idx="0">
+            <a:schemeClr val="accent1"/>
+          </a:fillRef>
+          <a:effectRef idx="0">
+            <a:schemeClr val="accent1"/>
+          </a:effectRef>
+          <a:fontRef idx="minor">
+            <a:schemeClr val="tx1"/>
+          </a:fontRef>
+        </p:style>
+      </p:cxnSp>
+      <p:sp>
+        <p:nvSpPr>
+          <p:cNvPr id="21" name="文字方塊 20"/>
+          <p:cNvSpPr txBox="1"/>
+          <p:nvPr/>
+        </p:nvSpPr>
+        <p:spPr>
+          <a:xfrm>
+            <a:off x="6949574" y="1067087"/>
+            <a:ext cx="4258491" cy="3416320"/>
+          </a:xfrm>
+          <a:prstGeom prst="rect">
+            <a:avLst/>
+          </a:prstGeom>
+          <a:noFill/>
+        </p:spPr>
+        <p:txBody>
+          <a:bodyPr wrap="square" rtlCol="0">
+            <a:spAutoFit/>
+          </a:bodyPr>
+          <a:lstStyle/>
+          <a:p>
+            <a:r>
+              <a:rPr lang="en-US" altLang="zh-TW" dirty="0" smtClean="0"/>
+              <a:t>Button</a:t>
+            </a:r>
+            <a:r>
+              <a:rPr lang="zh-TW" altLang="en-US" dirty="0" smtClean="0"/>
+              <a:t>、</a:t>
+            </a:r>
+            <a:r>
+              <a:rPr lang="en-US" altLang="zh-TW" dirty="0" err="1" smtClean="0"/>
+              <a:t>TextView</a:t>
+            </a:r>
+            <a:r>
+              <a:rPr lang="zh-TW" altLang="en-US" dirty="0" smtClean="0"/>
+              <a:t>：功能操作</a:t>
+            </a:r>
+            <a:endParaRPr lang="en-US" altLang="zh-TW" dirty="0" smtClean="0"/>
+          </a:p>
+          <a:p>
+            <a:endParaRPr lang="en-US" altLang="zh-TW" dirty="0"/>
+          </a:p>
+          <a:p>
+            <a:endParaRPr lang="en-US" altLang="zh-TW" dirty="0" smtClean="0"/>
+          </a:p>
+          <a:p>
+            <a:endParaRPr lang="en-US" altLang="zh-TW" dirty="0"/>
+          </a:p>
+          <a:p>
+            <a:endParaRPr lang="en-US" altLang="zh-TW" dirty="0" smtClean="0"/>
+          </a:p>
+          <a:p>
+            <a:r>
+              <a:rPr lang="en-US" altLang="zh-TW" dirty="0" err="1" smtClean="0"/>
+              <a:t>ImageView</a:t>
+            </a:r>
+            <a:r>
+              <a:rPr lang="zh-TW" altLang="en-US" dirty="0" smtClean="0"/>
+              <a:t>：放置圖片，圖片縮放、移動只能在這個</a:t>
+            </a:r>
+            <a:r>
+              <a:rPr lang="en-US" altLang="zh-TW" dirty="0" smtClean="0"/>
+              <a:t>View</a:t>
+            </a:r>
+            <a:r>
+              <a:rPr lang="zh-TW" altLang="en-US" dirty="0"/>
+              <a:t>裡</a:t>
+            </a:r>
+            <a:endParaRPr lang="en-US" altLang="zh-TW" dirty="0" smtClean="0"/>
+          </a:p>
+          <a:p>
+            <a:endParaRPr lang="en-US" altLang="zh-TW" dirty="0"/>
+          </a:p>
+          <a:p>
+            <a:endParaRPr lang="en-US" altLang="zh-TW" dirty="0"/>
+          </a:p>
+          <a:p>
+            <a:r>
+              <a:rPr lang="en-US" altLang="zh-TW" dirty="0" err="1" smtClean="0"/>
+              <a:t>FrameLayout</a:t>
+            </a:r>
+            <a:r>
+              <a:rPr lang="zh-TW" altLang="en-US" dirty="0" smtClean="0"/>
+              <a:t>：相機鏡頭讀取到的畫面，顯示在這一層裏，會不斷地重畫</a:t>
+            </a:r>
+            <a:r>
+              <a:rPr lang="en-US" altLang="zh-TW" smtClean="0"/>
+              <a:t>(preview)</a:t>
+            </a:r>
+            <a:endParaRPr lang="en-US" altLang="zh-TW" dirty="0" smtClean="0"/>
+          </a:p>
+          <a:p>
+            <a:endParaRPr lang="zh-TW" altLang="en-US" dirty="0"/>
+          </a:p>
+        </p:txBody>
+      </p:sp>
+      <p:cxnSp>
+        <p:nvCxnSpPr>
+          <p:cNvPr id="23" name="直線單箭頭接點 22"/>
+          <p:cNvCxnSpPr/>
+          <p:nvPr/>
+        </p:nvCxnSpPr>
+        <p:spPr>
+          <a:xfrm flipV="1">
+            <a:off x="414908" y="2012292"/>
+            <a:ext cx="1062446" cy="1551988"/>
+          </a:xfrm>
+          <a:prstGeom prst="straightConnector1">
+            <a:avLst/>
+          </a:prstGeom>
+          <a:ln>
+            <a:solidFill>
+              <a:srgbClr val="C00000"/>
+            </a:solidFill>
+            <a:tailEnd type="triangle"/>
+          </a:ln>
+        </p:spPr>
+        <p:style>
+          <a:lnRef idx="1">
+            <a:schemeClr val="accent1"/>
+          </a:lnRef>
+          <a:fillRef idx="0">
+            <a:schemeClr val="accent1"/>
+          </a:fillRef>
+          <a:effectRef idx="0">
+            <a:schemeClr val="accent1"/>
+          </a:effectRef>
+          <a:fontRef idx="minor">
+            <a:schemeClr val="tx1"/>
+          </a:fontRef>
+        </p:style>
+      </p:cxnSp>
+      <p:sp>
+        <p:nvSpPr>
+          <p:cNvPr id="24" name="文字方塊 23"/>
+          <p:cNvSpPr txBox="1"/>
+          <p:nvPr/>
+        </p:nvSpPr>
+        <p:spPr>
+          <a:xfrm>
+            <a:off x="1480457" y="1558834"/>
+            <a:ext cx="415934" cy="369332"/>
+          </a:xfrm>
+          <a:prstGeom prst="rect">
+            <a:avLst/>
+          </a:prstGeom>
+          <a:noFill/>
+        </p:spPr>
+        <p:txBody>
+          <a:bodyPr wrap="square" rtlCol="0">
+            <a:spAutoFit/>
+          </a:bodyPr>
+          <a:lstStyle/>
+          <a:p>
+            <a:r>
+              <a:rPr lang="zh-TW" altLang="en-US" dirty="0" smtClean="0"/>
+              <a:t>前</a:t>
+            </a:r>
+            <a:endParaRPr lang="zh-TW" altLang="en-US" dirty="0"/>
+          </a:p>
+        </p:txBody>
+      </p:sp>
+      <p:sp>
+        <p:nvSpPr>
+          <p:cNvPr id="25" name="文字方塊 24"/>
+          <p:cNvSpPr txBox="1"/>
+          <p:nvPr/>
+        </p:nvSpPr>
+        <p:spPr>
+          <a:xfrm>
+            <a:off x="0" y="3576986"/>
+            <a:ext cx="415934" cy="369332"/>
+          </a:xfrm>
+          <a:prstGeom prst="rect">
+            <a:avLst/>
+          </a:prstGeom>
+          <a:noFill/>
+        </p:spPr>
+        <p:txBody>
+          <a:bodyPr wrap="square" rtlCol="0">
+            <a:spAutoFit/>
+          </a:bodyPr>
+          <a:lstStyle/>
+          <a:p>
+            <a:r>
+              <a:rPr lang="zh-TW" altLang="en-US" dirty="0"/>
+              <a:t>後</a:t>
+            </a:r>
+            <a:endParaRPr lang="zh-TW" altLang="en-US" dirty="0"/>
+          </a:p>
+        </p:txBody>
+      </p:sp>
+    </p:spTree>
+    <p:extLst>
+      <p:ext uri="{BB962C8B-B14F-4D97-AF65-F5344CB8AC3E}">
+        <p14:creationId xmlns:p14="http://schemas.microsoft.com/office/powerpoint/2010/main" val="2359898248"/>
+      </p:ext>
+    </p:extLst>
+  </p:cSld>
+  <p:clrMapOvr>
+    <a:masterClrMapping/>
+  </p:clrMapOvr>
+  <p:timing>
+    <p:tnLst>
+      <p:par>
+        <p:cTn id="1" dur="indefinite" restart="never" nodeType="tmRoot"/>
+      </p:par>
+    </p:tnLst>
+  </p:timing>
+</p:sld>
+</file>
+
 <file path=ppt/theme/theme1.xml><?xml version="1.0" encoding="utf-8"?>
 <a:theme xmlns:a="http://schemas.openxmlformats.org/drawingml/2006/main" name="Office 佈景主題">
   <a:themeElements>

--- a/App組/App架構圖.pptx
+++ b/App組/App架構圖.pptx
@@ -7,6 +7,10 @@
   <p:sldIdLst>
     <p:sldId id="256" r:id="rId2"/>
     <p:sldId id="258" r:id="rId3"/>
+    <p:sldId id="259" r:id="rId4"/>
+    <p:sldId id="262" r:id="rId5"/>
+    <p:sldId id="261" r:id="rId6"/>
+    <p:sldId id="260" r:id="rId7"/>
   </p:sldIdLst>
   <p:sldSz cx="12192000" cy="6858000"/>
   <p:notesSz cx="6858000" cy="9144000"/>
@@ -244,7 +248,7 @@
           <a:p>
             <a:fld id="{61F6E7A9-CC47-4A75-B86D-23B8D8D0C377}" type="datetimeFigureOut">
               <a:rPr lang="zh-TW" altLang="en-US" smtClean="0"/>
-              <a:t>2013/12/8</a:t>
+              <a:t>2013/12/10</a:t>
             </a:fld>
             <a:endParaRPr lang="zh-TW" altLang="en-US"/>
           </a:p>
@@ -414,7 +418,7 @@
           <a:p>
             <a:fld id="{61F6E7A9-CC47-4A75-B86D-23B8D8D0C377}" type="datetimeFigureOut">
               <a:rPr lang="zh-TW" altLang="en-US" smtClean="0"/>
-              <a:t>2013/12/8</a:t>
+              <a:t>2013/12/10</a:t>
             </a:fld>
             <a:endParaRPr lang="zh-TW" altLang="en-US"/>
           </a:p>
@@ -594,7 +598,7 @@
           <a:p>
             <a:fld id="{61F6E7A9-CC47-4A75-B86D-23B8D8D0C377}" type="datetimeFigureOut">
               <a:rPr lang="zh-TW" altLang="en-US" smtClean="0"/>
-              <a:t>2013/12/8</a:t>
+              <a:t>2013/12/10</a:t>
             </a:fld>
             <a:endParaRPr lang="zh-TW" altLang="en-US"/>
           </a:p>
@@ -764,7 +768,7 @@
           <a:p>
             <a:fld id="{61F6E7A9-CC47-4A75-B86D-23B8D8D0C377}" type="datetimeFigureOut">
               <a:rPr lang="zh-TW" altLang="en-US" smtClean="0"/>
-              <a:t>2013/12/8</a:t>
+              <a:t>2013/12/10</a:t>
             </a:fld>
             <a:endParaRPr lang="zh-TW" altLang="en-US"/>
           </a:p>
@@ -1010,7 +1014,7 @@
           <a:p>
             <a:fld id="{61F6E7A9-CC47-4A75-B86D-23B8D8D0C377}" type="datetimeFigureOut">
               <a:rPr lang="zh-TW" altLang="en-US" smtClean="0"/>
-              <a:t>2013/12/8</a:t>
+              <a:t>2013/12/10</a:t>
             </a:fld>
             <a:endParaRPr lang="zh-TW" altLang="en-US"/>
           </a:p>
@@ -1242,7 +1246,7 @@
           <a:p>
             <a:fld id="{61F6E7A9-CC47-4A75-B86D-23B8D8D0C377}" type="datetimeFigureOut">
               <a:rPr lang="zh-TW" altLang="en-US" smtClean="0"/>
-              <a:t>2013/12/8</a:t>
+              <a:t>2013/12/10</a:t>
             </a:fld>
             <a:endParaRPr lang="zh-TW" altLang="en-US"/>
           </a:p>
@@ -1609,7 +1613,7 @@
           <a:p>
             <a:fld id="{61F6E7A9-CC47-4A75-B86D-23B8D8D0C377}" type="datetimeFigureOut">
               <a:rPr lang="zh-TW" altLang="en-US" smtClean="0"/>
-              <a:t>2013/12/8</a:t>
+              <a:t>2013/12/10</a:t>
             </a:fld>
             <a:endParaRPr lang="zh-TW" altLang="en-US"/>
           </a:p>
@@ -1727,7 +1731,7 @@
           <a:p>
             <a:fld id="{61F6E7A9-CC47-4A75-B86D-23B8D8D0C377}" type="datetimeFigureOut">
               <a:rPr lang="zh-TW" altLang="en-US" smtClean="0"/>
-              <a:t>2013/12/8</a:t>
+              <a:t>2013/12/10</a:t>
             </a:fld>
             <a:endParaRPr lang="zh-TW" altLang="en-US"/>
           </a:p>
@@ -1822,7 +1826,7 @@
           <a:p>
             <a:fld id="{61F6E7A9-CC47-4A75-B86D-23B8D8D0C377}" type="datetimeFigureOut">
               <a:rPr lang="zh-TW" altLang="en-US" smtClean="0"/>
-              <a:t>2013/12/8</a:t>
+              <a:t>2013/12/10</a:t>
             </a:fld>
             <a:endParaRPr lang="zh-TW" altLang="en-US"/>
           </a:p>
@@ -2099,7 +2103,7 @@
           <a:p>
             <a:fld id="{61F6E7A9-CC47-4A75-B86D-23B8D8D0C377}" type="datetimeFigureOut">
               <a:rPr lang="zh-TW" altLang="en-US" smtClean="0"/>
-              <a:t>2013/12/8</a:t>
+              <a:t>2013/12/10</a:t>
             </a:fld>
             <a:endParaRPr lang="zh-TW" altLang="en-US"/>
           </a:p>
@@ -2352,7 +2356,7 @@
           <a:p>
             <a:fld id="{61F6E7A9-CC47-4A75-B86D-23B8D8D0C377}" type="datetimeFigureOut">
               <a:rPr lang="zh-TW" altLang="en-US" smtClean="0"/>
-              <a:t>2013/12/8</a:t>
+              <a:t>2013/12/10</a:t>
             </a:fld>
             <a:endParaRPr lang="zh-TW" altLang="en-US"/>
           </a:p>
@@ -2565,7 +2569,7 @@
           <a:p>
             <a:fld id="{61F6E7A9-CC47-4A75-B86D-23B8D8D0C377}" type="datetimeFigureOut">
               <a:rPr lang="zh-TW" altLang="en-US" smtClean="0"/>
-              <a:t>2013/12/8</a:t>
+              <a:t>2013/12/10</a:t>
             </a:fld>
             <a:endParaRPr lang="zh-TW" altLang="en-US"/>
           </a:p>
@@ -4471,7 +4475,7 @@
         <p:spPr>
           <a:xfrm>
             <a:off x="6949574" y="1067087"/>
-            <a:ext cx="4258491" cy="3416320"/>
+            <a:ext cx="4258491" cy="4154984"/>
           </a:xfrm>
           <a:prstGeom prst="rect">
             <a:avLst/>
@@ -4485,77 +4489,70 @@
           <a:lstStyle/>
           <a:p>
             <a:r>
-              <a:rPr lang="en-US" altLang="zh-TW" dirty="0" smtClean="0"/>
+              <a:rPr lang="en-US" altLang="zh-TW" sz="2400" dirty="0" smtClean="0"/>
               <a:t>Button</a:t>
             </a:r>
             <a:r>
-              <a:rPr lang="zh-TW" altLang="en-US" dirty="0" smtClean="0"/>
+              <a:rPr lang="zh-TW" altLang="en-US" sz="2400" dirty="0" smtClean="0"/>
               <a:t>、</a:t>
             </a:r>
             <a:r>
-              <a:rPr lang="en-US" altLang="zh-TW" dirty="0" err="1" smtClean="0"/>
+              <a:rPr lang="en-US" altLang="zh-TW" sz="2400" dirty="0" err="1" smtClean="0"/>
               <a:t>TextView</a:t>
             </a:r>
             <a:r>
-              <a:rPr lang="zh-TW" altLang="en-US" dirty="0" smtClean="0"/>
+              <a:rPr lang="zh-TW" altLang="en-US" sz="2400" dirty="0" smtClean="0"/>
               <a:t>：功能操作</a:t>
             </a:r>
-            <a:endParaRPr lang="en-US" altLang="zh-TW" dirty="0" smtClean="0"/>
-          </a:p>
-          <a:p>
-            <a:endParaRPr lang="en-US" altLang="zh-TW" dirty="0"/>
-          </a:p>
-          <a:p>
-            <a:endParaRPr lang="en-US" altLang="zh-TW" dirty="0" smtClean="0"/>
-          </a:p>
-          <a:p>
-            <a:endParaRPr lang="en-US" altLang="zh-TW" dirty="0"/>
-          </a:p>
-          <a:p>
-            <a:endParaRPr lang="en-US" altLang="zh-TW" dirty="0" smtClean="0"/>
-          </a:p>
-          <a:p>
-            <a:r>
-              <a:rPr lang="en-US" altLang="zh-TW" dirty="0" err="1" smtClean="0"/>
+            <a:endParaRPr lang="en-US" altLang="zh-TW" sz="2400" dirty="0" smtClean="0"/>
+          </a:p>
+          <a:p>
+            <a:endParaRPr lang="en-US" altLang="zh-TW" sz="2400" dirty="0"/>
+          </a:p>
+          <a:p>
+            <a:endParaRPr lang="en-US" altLang="zh-TW" sz="2400" dirty="0" smtClean="0"/>
+          </a:p>
+          <a:p>
+            <a:r>
+              <a:rPr lang="en-US" altLang="zh-TW" sz="2400" dirty="0" err="1" smtClean="0"/>
               <a:t>ImageView</a:t>
             </a:r>
             <a:r>
-              <a:rPr lang="zh-TW" altLang="en-US" dirty="0" smtClean="0"/>
+              <a:rPr lang="zh-TW" altLang="en-US" sz="2400" dirty="0" smtClean="0"/>
               <a:t>：放置圖片，圖片縮放、移動只能在這個</a:t>
             </a:r>
             <a:r>
-              <a:rPr lang="en-US" altLang="zh-TW" dirty="0" smtClean="0"/>
+              <a:rPr lang="en-US" altLang="zh-TW" sz="2400" dirty="0" smtClean="0"/>
               <a:t>View</a:t>
             </a:r>
             <a:r>
-              <a:rPr lang="zh-TW" altLang="en-US" dirty="0"/>
+              <a:rPr lang="zh-TW" altLang="en-US" sz="2400" dirty="0"/>
               <a:t>裡</a:t>
             </a:r>
-            <a:endParaRPr lang="en-US" altLang="zh-TW" dirty="0" smtClean="0"/>
-          </a:p>
-          <a:p>
-            <a:endParaRPr lang="en-US" altLang="zh-TW" dirty="0"/>
-          </a:p>
-          <a:p>
-            <a:endParaRPr lang="en-US" altLang="zh-TW" dirty="0"/>
-          </a:p>
-          <a:p>
-            <a:r>
-              <a:rPr lang="en-US" altLang="zh-TW" dirty="0" err="1" smtClean="0"/>
+            <a:endParaRPr lang="en-US" altLang="zh-TW" sz="2400" dirty="0" smtClean="0"/>
+          </a:p>
+          <a:p>
+            <a:endParaRPr lang="en-US" altLang="zh-TW" sz="2400" dirty="0"/>
+          </a:p>
+          <a:p>
+            <a:endParaRPr lang="en-US" altLang="zh-TW" sz="2400" dirty="0"/>
+          </a:p>
+          <a:p>
+            <a:r>
+              <a:rPr lang="en-US" altLang="zh-TW" sz="2400" dirty="0" err="1" smtClean="0"/>
               <a:t>FrameLayout</a:t>
             </a:r>
             <a:r>
-              <a:rPr lang="zh-TW" altLang="en-US" dirty="0" smtClean="0"/>
+              <a:rPr lang="zh-TW" altLang="en-US" sz="2400" dirty="0" smtClean="0"/>
               <a:t>：相機鏡頭讀取到的畫面，顯示在這一層裏，會不斷地重畫</a:t>
             </a:r>
             <a:r>
-              <a:rPr lang="en-US" altLang="zh-TW" smtClean="0"/>
+              <a:rPr lang="en-US" altLang="zh-TW" sz="2400" dirty="0" smtClean="0"/>
               <a:t>(preview)</a:t>
             </a:r>
-            <a:endParaRPr lang="en-US" altLang="zh-TW" dirty="0" smtClean="0"/>
-          </a:p>
-          <a:p>
-            <a:endParaRPr lang="zh-TW" altLang="en-US" dirty="0"/>
+          </a:p>
+          <a:p>
+            <a:endParaRPr lang="zh-TW" altLang="en-US" sz="2400" dirty="0"/>
           </a:p>
         </p:txBody>
       </p:sp>
@@ -4651,7 +4648,6 @@
               <a:rPr lang="zh-TW" altLang="en-US" dirty="0"/>
               <a:t>後</a:t>
             </a:r>
-            <a:endParaRPr lang="zh-TW" altLang="en-US" dirty="0"/>
           </a:p>
         </p:txBody>
       </p:sp>
@@ -4659,6 +4655,1445 @@
     <p:extLst>
       <p:ext uri="{BB962C8B-B14F-4D97-AF65-F5344CB8AC3E}">
         <p14:creationId xmlns:p14="http://schemas.microsoft.com/office/powerpoint/2010/main" val="2359898248"/>
+      </p:ext>
+    </p:extLst>
+  </p:cSld>
+  <p:clrMapOvr>
+    <a:masterClrMapping/>
+  </p:clrMapOvr>
+  <p:timing>
+    <p:tnLst>
+      <p:par>
+        <p:cTn id="1" dur="indefinite" restart="never" nodeType="tmRoot"/>
+      </p:par>
+    </p:tnLst>
+  </p:timing>
+</p:sld>
+</file>
+
+<file path=ppt/slides/slide3.xml><?xml version="1.0" encoding="utf-8"?>
+<p:sld xmlns:a="http://schemas.openxmlformats.org/drawingml/2006/main" xmlns:r="http://schemas.openxmlformats.org/officeDocument/2006/relationships" xmlns:p="http://schemas.openxmlformats.org/presentationml/2006/main">
+  <p:cSld>
+    <p:spTree>
+      <p:nvGrpSpPr>
+        <p:cNvPr id="1" name=""/>
+        <p:cNvGrpSpPr/>
+        <p:nvPr/>
+      </p:nvGrpSpPr>
+      <p:grpSpPr>
+        <a:xfrm>
+          <a:off x="0" y="0"/>
+          <a:ext cx="0" cy="0"/>
+          <a:chOff x="0" y="0"/>
+          <a:chExt cx="0" cy="0"/>
+        </a:xfrm>
+      </p:grpSpPr>
+      <p:sp>
+        <p:nvSpPr>
+          <p:cNvPr id="2" name="標題 1"/>
+          <p:cNvSpPr>
+            <a:spLocks noGrp="1"/>
+          </p:cNvSpPr>
+          <p:nvPr>
+            <p:ph type="title"/>
+          </p:nvPr>
+        </p:nvSpPr>
+        <p:spPr>
+          <a:xfrm>
+            <a:off x="0" y="6848"/>
+            <a:ext cx="10515600" cy="1325563"/>
+          </a:xfrm>
+        </p:spPr>
+        <p:txBody>
+          <a:bodyPr/>
+          <a:lstStyle/>
+          <a:p>
+            <a:r>
+              <a:rPr lang="zh-TW" altLang="en-US" dirty="0" smtClean="0"/>
+              <a:t>現在的問題</a:t>
+            </a:r>
+            <a:endParaRPr lang="zh-TW" altLang="en-US" dirty="0"/>
+          </a:p>
+        </p:txBody>
+      </p:sp>
+      <p:sp>
+        <p:nvSpPr>
+          <p:cNvPr id="4" name="文字方塊 3"/>
+          <p:cNvSpPr txBox="1"/>
+          <p:nvPr/>
+        </p:nvSpPr>
+        <p:spPr>
+          <a:xfrm>
+            <a:off x="0" y="1332411"/>
+            <a:ext cx="10824753" cy="4401205"/>
+          </a:xfrm>
+          <a:prstGeom prst="rect">
+            <a:avLst/>
+          </a:prstGeom>
+          <a:noFill/>
+        </p:spPr>
+        <p:txBody>
+          <a:bodyPr wrap="square" rtlCol="0">
+            <a:spAutoFit/>
+          </a:bodyPr>
+          <a:lstStyle/>
+          <a:p>
+            <a:r>
+              <a:rPr lang="en-US" altLang="zh-TW" sz="2000" dirty="0" smtClean="0"/>
+              <a:t>1.</a:t>
+            </a:r>
+            <a:r>
+              <a:rPr lang="zh-TW" altLang="en-US" sz="2000" dirty="0" smtClean="0"/>
+              <a:t>由於拍照是擷取</a:t>
+            </a:r>
+            <a:r>
+              <a:rPr lang="en-US" altLang="zh-TW" sz="2000" dirty="0" err="1" smtClean="0"/>
+              <a:t>FrameLayout</a:t>
+            </a:r>
+            <a:r>
+              <a:rPr lang="zh-TW" altLang="en-US" sz="2000" dirty="0" smtClean="0"/>
+              <a:t>上所讀取到的影像，因此拍照的時候沒辦法把</a:t>
+            </a:r>
+            <a:r>
+              <a:rPr lang="en-US" altLang="zh-TW" sz="2000" dirty="0" err="1" smtClean="0"/>
+              <a:t>ImageView</a:t>
+            </a:r>
+            <a:r>
+              <a:rPr lang="zh-TW" altLang="en-US" sz="2000" dirty="0" smtClean="0"/>
+              <a:t>給拍進去</a:t>
+            </a:r>
+            <a:endParaRPr lang="en-US" altLang="zh-TW" sz="2000" dirty="0" smtClean="0"/>
+          </a:p>
+          <a:p>
+            <a:r>
+              <a:rPr lang="en-US" altLang="zh-TW" sz="2000" dirty="0" smtClean="0"/>
+              <a:t>	</a:t>
+            </a:r>
+            <a:r>
+              <a:rPr lang="zh-TW" altLang="en-US" sz="2000" dirty="0" smtClean="0"/>
+              <a:t>解決方法：</a:t>
+            </a:r>
+            <a:endParaRPr lang="en-US" altLang="zh-TW" sz="2000" dirty="0" smtClean="0"/>
+          </a:p>
+          <a:p>
+            <a:r>
+              <a:rPr lang="en-US" altLang="zh-TW" sz="2000" dirty="0" smtClean="0"/>
+              <a:t>	a.</a:t>
+            </a:r>
+            <a:r>
+              <a:rPr lang="zh-TW" altLang="en-US" sz="2000" dirty="0" smtClean="0"/>
+              <a:t>拍照之後在寫個</a:t>
+            </a:r>
+            <a:r>
+              <a:rPr lang="en-US" altLang="zh-TW" sz="2000" dirty="0" smtClean="0"/>
+              <a:t>Class</a:t>
+            </a:r>
+            <a:r>
+              <a:rPr lang="zh-TW" altLang="en-US" sz="2000" dirty="0" smtClean="0"/>
+              <a:t>做後製，把圖片組合上去。</a:t>
+            </a:r>
+            <a:endParaRPr lang="en-US" altLang="zh-TW" sz="2000" dirty="0" smtClean="0"/>
+          </a:p>
+          <a:p>
+            <a:r>
+              <a:rPr lang="en-US" altLang="zh-TW" sz="2000" dirty="0" smtClean="0"/>
+              <a:t>	b.</a:t>
+            </a:r>
+            <a:r>
+              <a:rPr lang="zh-TW" altLang="en-US" sz="2000" dirty="0" smtClean="0"/>
+              <a:t>研究拍照的</a:t>
+            </a:r>
+            <a:r>
+              <a:rPr lang="en-US" altLang="zh-TW" sz="2000" dirty="0" smtClean="0"/>
+              <a:t>method</a:t>
+            </a:r>
+            <a:r>
+              <a:rPr lang="zh-TW" altLang="en-US" sz="2000" dirty="0" smtClean="0"/>
+              <a:t>，看看是否能擴大他所擷取畫面的範圍</a:t>
+            </a:r>
+            <a:r>
+              <a:rPr lang="en-US" altLang="zh-TW" sz="2000" dirty="0" smtClean="0"/>
+              <a:t>(</a:t>
+            </a:r>
+            <a:r>
+              <a:rPr lang="zh-TW" altLang="en-US" sz="2000" dirty="0" smtClean="0"/>
+              <a:t>擷取</a:t>
+            </a:r>
+            <a:r>
+              <a:rPr lang="en-US" altLang="zh-TW" sz="2000" dirty="0" err="1" smtClean="0"/>
+              <a:t>FrameLayout</a:t>
+            </a:r>
+            <a:r>
+              <a:rPr lang="zh-TW" altLang="en-US" sz="2000" dirty="0" smtClean="0"/>
+              <a:t> </a:t>
+            </a:r>
+            <a:r>
+              <a:rPr lang="en-US" altLang="zh-TW" sz="2000" dirty="0" smtClean="0"/>
+              <a:t>+</a:t>
+            </a:r>
+            <a:r>
+              <a:rPr lang="zh-TW" altLang="en-US" sz="2000" dirty="0"/>
+              <a:t> </a:t>
+            </a:r>
+            <a:r>
+              <a:rPr lang="en-US" altLang="zh-TW" sz="2000" dirty="0" smtClean="0"/>
+              <a:t>	</a:t>
+            </a:r>
+            <a:r>
+              <a:rPr lang="en-US" altLang="zh-TW" sz="2000" dirty="0" err="1" smtClean="0"/>
+              <a:t>ImageView</a:t>
+            </a:r>
+            <a:r>
+              <a:rPr lang="en-US" altLang="zh-TW" sz="2000" dirty="0" smtClean="0"/>
+              <a:t>)</a:t>
+            </a:r>
+          </a:p>
+          <a:p>
+            <a:r>
+              <a:rPr lang="en-US" altLang="zh-TW" sz="2000" dirty="0" smtClean="0"/>
+              <a:t>	</a:t>
+            </a:r>
+            <a:r>
+              <a:rPr lang="en-US" altLang="zh-TW" sz="2000" dirty="0" err="1" smtClean="0"/>
+              <a:t>c.Play</a:t>
+            </a:r>
+            <a:r>
+              <a:rPr lang="zh-TW" altLang="en-US" sz="2000" dirty="0" smtClean="0"/>
+              <a:t>商店有許多特效照相機</a:t>
+            </a:r>
+            <a:r>
+              <a:rPr lang="en-US" altLang="zh-TW" sz="2000" dirty="0" smtClean="0"/>
+              <a:t>app</a:t>
+            </a:r>
+            <a:r>
+              <a:rPr lang="zh-TW" altLang="en-US" sz="2000" dirty="0" smtClean="0"/>
+              <a:t>，他們拍的照片都會有特別效果，例如花框、鬼影</a:t>
+            </a:r>
+            <a:r>
+              <a:rPr lang="en-US" altLang="zh-TW" sz="2000" dirty="0" smtClean="0"/>
+              <a:t>……</a:t>
+            </a:r>
+            <a:r>
+              <a:rPr lang="zh-TW" altLang="en-US" sz="2000" dirty="0" smtClean="0"/>
+              <a:t>，</a:t>
+            </a:r>
+            <a:r>
+              <a:rPr lang="en-US" altLang="zh-TW" sz="2000" dirty="0" smtClean="0"/>
+              <a:t>	</a:t>
+            </a:r>
+            <a:r>
+              <a:rPr lang="zh-TW" altLang="en-US" sz="2000" dirty="0" smtClean="0"/>
+              <a:t>去尋找</a:t>
+            </a:r>
+            <a:r>
+              <a:rPr lang="zh-TW" altLang="en-US" sz="2000" dirty="0" smtClean="0"/>
+              <a:t>他們的做法。</a:t>
+            </a:r>
+            <a:endParaRPr lang="en-US" altLang="zh-TW" sz="2000" dirty="0" smtClean="0"/>
+          </a:p>
+          <a:p>
+            <a:endParaRPr lang="en-US" altLang="zh-TW" sz="2000" dirty="0"/>
+          </a:p>
+          <a:p>
+            <a:endParaRPr lang="en-US" altLang="zh-TW" sz="2000" dirty="0" smtClean="0"/>
+          </a:p>
+          <a:p>
+            <a:r>
+              <a:rPr lang="en-US" altLang="zh-TW" sz="2000" dirty="0" smtClean="0"/>
+              <a:t>2.</a:t>
+            </a:r>
+            <a:r>
+              <a:rPr lang="zh-TW" altLang="en-US" sz="2000" dirty="0" smtClean="0"/>
+              <a:t>對於</a:t>
+            </a:r>
+            <a:r>
+              <a:rPr lang="en-US" altLang="zh-TW" sz="2000" dirty="0" err="1" smtClean="0"/>
+              <a:t>cameraActivity</a:t>
+            </a:r>
+            <a:r>
+              <a:rPr lang="zh-TW" altLang="en-US" sz="2000" dirty="0" smtClean="0"/>
+              <a:t>，對於一個</a:t>
+            </a:r>
+            <a:r>
+              <a:rPr lang="en-US" altLang="zh-TW" sz="2000" dirty="0" smtClean="0"/>
+              <a:t>Activity</a:t>
+            </a:r>
+            <a:r>
+              <a:rPr lang="zh-TW" altLang="en-US" sz="2000" dirty="0" smtClean="0"/>
+              <a:t>的一個週期各種階段該做些什麼</a:t>
+            </a:r>
+            <a:r>
+              <a:rPr lang="zh-TW" altLang="en-US" sz="2000" dirty="0"/>
+              <a:t>，</a:t>
+            </a:r>
+            <a:r>
+              <a:rPr lang="zh-TW" altLang="en-US" sz="2000" dirty="0" smtClean="0"/>
+              <a:t>還沒有寫得更仔細、謹慎，目前在</a:t>
+            </a:r>
+            <a:r>
+              <a:rPr lang="en-US" altLang="zh-TW" sz="2000" dirty="0" err="1"/>
+              <a:t>cameraActivity</a:t>
+            </a:r>
+            <a:r>
+              <a:rPr lang="zh-TW" altLang="en-US" sz="2000" dirty="0" smtClean="0"/>
+              <a:t>直接按</a:t>
+            </a:r>
+            <a:r>
+              <a:rPr lang="en-US" altLang="zh-TW" sz="2000" dirty="0" smtClean="0"/>
+              <a:t>home</a:t>
+            </a:r>
+            <a:r>
+              <a:rPr lang="zh-TW" altLang="en-US" sz="2000" dirty="0" smtClean="0"/>
+              <a:t>鍵跳出，再回到</a:t>
+            </a:r>
+            <a:r>
+              <a:rPr lang="en-US" altLang="zh-TW" sz="2000" dirty="0" smtClean="0"/>
+              <a:t>app</a:t>
+            </a:r>
+            <a:r>
+              <a:rPr lang="zh-TW" altLang="en-US" sz="2000" dirty="0" smtClean="0"/>
+              <a:t>裡，程式會崩潰。</a:t>
+            </a:r>
+            <a:endParaRPr lang="en-US" altLang="zh-TW" sz="2000" dirty="0" smtClean="0"/>
+          </a:p>
+          <a:p>
+            <a:r>
+              <a:rPr lang="en-US" altLang="zh-TW" sz="2000" dirty="0" smtClean="0"/>
+              <a:t>	</a:t>
+            </a:r>
+            <a:r>
+              <a:rPr lang="zh-TW" altLang="en-US" sz="2000" dirty="0" smtClean="0"/>
+              <a:t>解決方法：</a:t>
+            </a:r>
+            <a:endParaRPr lang="en-US" altLang="zh-TW" sz="2000" dirty="0" smtClean="0"/>
+          </a:p>
+          <a:p>
+            <a:r>
+              <a:rPr lang="en-US" altLang="zh-TW" sz="2000" dirty="0" smtClean="0"/>
+              <a:t>	a.</a:t>
+            </a:r>
+            <a:r>
+              <a:rPr lang="zh-TW" altLang="en-US" sz="2000" dirty="0" smtClean="0"/>
+              <a:t>預測可能是跳出以後，</a:t>
+            </a:r>
+            <a:r>
+              <a:rPr lang="en-US" altLang="zh-TW" sz="2000" dirty="0"/>
+              <a:t> </a:t>
+            </a:r>
+            <a:r>
+              <a:rPr lang="en-US" altLang="zh-TW" sz="2000" dirty="0" smtClean="0"/>
+              <a:t>camera</a:t>
+            </a:r>
+            <a:r>
+              <a:rPr lang="zh-TW" altLang="en-US" sz="2000" dirty="0" smtClean="0"/>
+              <a:t>沒有歸還資源，所以再回到</a:t>
+            </a:r>
+            <a:r>
+              <a:rPr lang="en-US" altLang="zh-TW" sz="2000" dirty="0" smtClean="0"/>
+              <a:t>app</a:t>
+            </a:r>
+            <a:r>
+              <a:rPr lang="zh-TW" altLang="en-US" sz="2000" dirty="0" smtClean="0"/>
+              <a:t>他會重新</a:t>
+            </a:r>
+            <a:r>
+              <a:rPr lang="en-US" altLang="zh-TW" sz="2000" dirty="0" smtClean="0"/>
+              <a:t>create</a:t>
+            </a:r>
+            <a:r>
+              <a:rPr lang="en-US" altLang="zh-TW" sz="2000" dirty="0"/>
+              <a:t> </a:t>
+            </a:r>
+            <a:r>
+              <a:rPr lang="en-US" altLang="zh-TW" sz="2000" dirty="0" smtClean="0"/>
+              <a:t>	</a:t>
+            </a:r>
+            <a:r>
+              <a:rPr lang="en-US" altLang="zh-TW" sz="2000" dirty="0" err="1" smtClean="0"/>
+              <a:t>cameraActivity</a:t>
+            </a:r>
+            <a:r>
+              <a:rPr lang="zh-TW" altLang="en-US" sz="2000" dirty="0" smtClean="0"/>
+              <a:t>，</a:t>
+            </a:r>
+            <a:r>
+              <a:rPr lang="zh-TW" altLang="en-US" sz="2000" dirty="0" smtClean="0"/>
+              <a:t>然後</a:t>
+            </a:r>
+            <a:r>
+              <a:rPr lang="zh-TW" altLang="en-US" sz="2000" dirty="0" smtClean="0"/>
+              <a:t>跟系統要不到</a:t>
+            </a:r>
+            <a:r>
+              <a:rPr lang="en-US" altLang="zh-TW" sz="2000" dirty="0" smtClean="0"/>
+              <a:t>camera</a:t>
+            </a:r>
+            <a:r>
+              <a:rPr lang="zh-TW" altLang="en-US" sz="2000" dirty="0" smtClean="0"/>
+              <a:t>，就發生問題，這部分需要去做改善</a:t>
+            </a:r>
+            <a:r>
+              <a:rPr lang="zh-TW" altLang="en-US" sz="2000" dirty="0" smtClean="0"/>
+              <a:t>。</a:t>
+            </a:r>
+            <a:endParaRPr lang="en-US" altLang="zh-TW" sz="2000" dirty="0" smtClean="0"/>
+          </a:p>
+        </p:txBody>
+      </p:sp>
+    </p:spTree>
+    <p:extLst>
+      <p:ext uri="{BB962C8B-B14F-4D97-AF65-F5344CB8AC3E}">
+        <p14:creationId xmlns:p14="http://schemas.microsoft.com/office/powerpoint/2010/main" val="577499628"/>
+      </p:ext>
+    </p:extLst>
+  </p:cSld>
+  <p:clrMapOvr>
+    <a:masterClrMapping/>
+  </p:clrMapOvr>
+  <p:timing>
+    <p:tnLst>
+      <p:par>
+        <p:cTn id="1" dur="indefinite" restart="never" nodeType="tmRoot"/>
+      </p:par>
+    </p:tnLst>
+  </p:timing>
+</p:sld>
+</file>
+
+<file path=ppt/slides/slide4.xml><?xml version="1.0" encoding="utf-8"?>
+<p:sld xmlns:a="http://schemas.openxmlformats.org/drawingml/2006/main" xmlns:r="http://schemas.openxmlformats.org/officeDocument/2006/relationships" xmlns:p="http://schemas.openxmlformats.org/presentationml/2006/main">
+  <p:cSld>
+    <p:spTree>
+      <p:nvGrpSpPr>
+        <p:cNvPr id="1" name=""/>
+        <p:cNvGrpSpPr/>
+        <p:nvPr/>
+      </p:nvGrpSpPr>
+      <p:grpSpPr>
+        <a:xfrm>
+          <a:off x="0" y="0"/>
+          <a:ext cx="0" cy="0"/>
+          <a:chOff x="0" y="0"/>
+          <a:chExt cx="0" cy="0"/>
+        </a:xfrm>
+      </p:grpSpPr>
+      <p:sp>
+        <p:nvSpPr>
+          <p:cNvPr id="2" name="標題 1"/>
+          <p:cNvSpPr>
+            <a:spLocks noGrp="1"/>
+          </p:cNvSpPr>
+          <p:nvPr>
+            <p:ph type="title"/>
+          </p:nvPr>
+        </p:nvSpPr>
+        <p:spPr>
+          <a:xfrm>
+            <a:off x="0" y="6848"/>
+            <a:ext cx="10515600" cy="1325563"/>
+          </a:xfrm>
+        </p:spPr>
+        <p:txBody>
+          <a:bodyPr/>
+          <a:lstStyle/>
+          <a:p>
+            <a:r>
+              <a:rPr lang="zh-TW" altLang="en-US" dirty="0" smtClean="0"/>
+              <a:t>現在的問題</a:t>
+            </a:r>
+            <a:endParaRPr lang="zh-TW" altLang="en-US" dirty="0"/>
+          </a:p>
+        </p:txBody>
+      </p:sp>
+      <p:sp>
+        <p:nvSpPr>
+          <p:cNvPr id="4" name="文字方塊 3"/>
+          <p:cNvSpPr txBox="1"/>
+          <p:nvPr/>
+        </p:nvSpPr>
+        <p:spPr>
+          <a:xfrm>
+            <a:off x="0" y="1332411"/>
+            <a:ext cx="10824753" cy="2554545"/>
+          </a:xfrm>
+          <a:prstGeom prst="rect">
+            <a:avLst/>
+          </a:prstGeom>
+          <a:noFill/>
+        </p:spPr>
+        <p:txBody>
+          <a:bodyPr wrap="square" rtlCol="0">
+            <a:spAutoFit/>
+          </a:bodyPr>
+          <a:lstStyle/>
+          <a:p>
+            <a:r>
+              <a:rPr lang="en-US" altLang="zh-TW" sz="2000" dirty="0" smtClean="0"/>
+              <a:t>3</a:t>
+            </a:r>
+            <a:r>
+              <a:rPr lang="en-US" altLang="zh-TW" sz="2000" dirty="0" smtClean="0"/>
+              <a:t>.</a:t>
+            </a:r>
+            <a:r>
+              <a:rPr lang="zh-TW" altLang="en-US" sz="2000" dirty="0" smtClean="0"/>
+              <a:t>同上，現在各個</a:t>
+            </a:r>
+            <a:r>
+              <a:rPr lang="en-US" altLang="zh-TW" sz="2000" dirty="0" smtClean="0"/>
+              <a:t>Activity</a:t>
+            </a:r>
+            <a:r>
+              <a:rPr lang="zh-TW" altLang="en-US" sz="2000" dirty="0" smtClean="0"/>
+              <a:t>，按了</a:t>
+            </a:r>
+            <a:r>
+              <a:rPr lang="en-US" altLang="zh-TW" sz="2000" dirty="0" smtClean="0"/>
+              <a:t>home</a:t>
+            </a:r>
+            <a:r>
+              <a:rPr lang="zh-TW" altLang="en-US" sz="2000" dirty="0" smtClean="0"/>
+              <a:t>鍵跳出以後，再次回到程式上，他會重新</a:t>
+            </a:r>
+            <a:r>
+              <a:rPr lang="en-US" altLang="zh-TW" sz="2000" dirty="0" smtClean="0"/>
+              <a:t>create</a:t>
+            </a:r>
+            <a:r>
+              <a:rPr lang="zh-TW" altLang="en-US" sz="2000" dirty="0" smtClean="0"/>
+              <a:t> </a:t>
+            </a:r>
+            <a:r>
+              <a:rPr lang="en-US" altLang="zh-TW" sz="2000" dirty="0" smtClean="0"/>
+              <a:t>Activity</a:t>
+            </a:r>
+            <a:r>
+              <a:rPr lang="zh-TW" altLang="en-US" sz="2000" dirty="0" smtClean="0"/>
+              <a:t>，這並不是我所想要的結果，應該是</a:t>
+            </a:r>
+            <a:r>
+              <a:rPr lang="en-US" altLang="zh-TW" sz="2000" dirty="0"/>
+              <a:t>home</a:t>
+            </a:r>
+            <a:r>
+              <a:rPr lang="zh-TW" altLang="en-US" sz="2000" dirty="0" smtClean="0"/>
+              <a:t>鍵</a:t>
+            </a:r>
+            <a:r>
+              <a:rPr lang="en-US" altLang="zh-TW" sz="2000" dirty="0" smtClean="0"/>
+              <a:t>=&gt;</a:t>
+            </a:r>
+            <a:r>
+              <a:rPr lang="zh-TW" altLang="en-US" sz="2000" dirty="0" smtClean="0"/>
+              <a:t>要</a:t>
+            </a:r>
+            <a:r>
+              <a:rPr lang="en-US" altLang="zh-TW" sz="2000" dirty="0" smtClean="0"/>
+              <a:t>pause</a:t>
+            </a:r>
+            <a:r>
+              <a:rPr lang="zh-TW" altLang="en-US" sz="2000" dirty="0" smtClean="0"/>
+              <a:t>、</a:t>
+            </a:r>
+            <a:r>
+              <a:rPr lang="en-US" altLang="zh-TW" sz="2000" dirty="0" smtClean="0"/>
+              <a:t>stop</a:t>
+            </a:r>
+            <a:r>
+              <a:rPr lang="zh-TW" altLang="en-US" sz="2000" dirty="0" smtClean="0"/>
+              <a:t> </a:t>
+            </a:r>
+            <a:r>
+              <a:rPr lang="en-US" altLang="zh-TW" sz="2000" dirty="0" smtClean="0"/>
+              <a:t>Activity</a:t>
+            </a:r>
+            <a:r>
+              <a:rPr lang="zh-TW" altLang="en-US" sz="2000" dirty="0" smtClean="0"/>
+              <a:t>，點回去</a:t>
+            </a:r>
+            <a:r>
+              <a:rPr lang="en-US" altLang="zh-TW" sz="2000" dirty="0" smtClean="0"/>
+              <a:t>app</a:t>
+            </a:r>
+            <a:r>
+              <a:rPr lang="zh-TW" altLang="en-US" sz="2000" dirty="0" smtClean="0"/>
+              <a:t>時，直接</a:t>
+            </a:r>
+            <a:r>
+              <a:rPr lang="en-US" altLang="zh-TW" sz="2000" dirty="0" smtClean="0"/>
+              <a:t>start</a:t>
+            </a:r>
+            <a:r>
+              <a:rPr lang="zh-TW" altLang="en-US" sz="2000" dirty="0" smtClean="0"/>
+              <a:t> </a:t>
+            </a:r>
+            <a:r>
+              <a:rPr lang="en-US" altLang="zh-TW" sz="2000" dirty="0" smtClean="0"/>
+              <a:t>Activity</a:t>
+            </a:r>
+            <a:r>
+              <a:rPr lang="zh-TW" altLang="en-US" sz="2000" dirty="0" smtClean="0"/>
+              <a:t>就好。</a:t>
+            </a:r>
+            <a:endParaRPr lang="en-US" altLang="zh-TW" sz="2000" dirty="0" smtClean="0"/>
+          </a:p>
+          <a:p>
+            <a:r>
+              <a:rPr lang="en-US" altLang="zh-TW" sz="2000" dirty="0"/>
+              <a:t>	</a:t>
+            </a:r>
+            <a:r>
+              <a:rPr lang="zh-TW" altLang="en-US" sz="2000" dirty="0" smtClean="0"/>
+              <a:t>解決方法：</a:t>
+            </a:r>
+            <a:endParaRPr lang="en-US" altLang="zh-TW" sz="2000" dirty="0" smtClean="0"/>
+          </a:p>
+          <a:p>
+            <a:r>
+              <a:rPr lang="en-US" altLang="zh-TW" sz="2000" dirty="0"/>
+              <a:t>	</a:t>
+            </a:r>
+            <a:r>
+              <a:rPr lang="zh-TW" altLang="en-US" sz="2000" dirty="0" smtClean="0"/>
+              <a:t>對於生命週期的各個階段，要仔細去思考該做什麼事情。</a:t>
+            </a:r>
+            <a:endParaRPr lang="en-US" altLang="zh-TW" sz="2000" dirty="0" smtClean="0"/>
+          </a:p>
+          <a:p>
+            <a:endParaRPr lang="en-US" altLang="zh-TW" sz="2000" dirty="0" smtClean="0"/>
+          </a:p>
+          <a:p>
+            <a:endParaRPr lang="en-US" altLang="zh-TW" sz="2000" dirty="0" smtClean="0"/>
+          </a:p>
+          <a:p>
+            <a:r>
+              <a:rPr lang="en-US" altLang="zh-TW" sz="2000" dirty="0" smtClean="0"/>
+              <a:t>4.</a:t>
+            </a:r>
+            <a:r>
+              <a:rPr lang="zh-TW" altLang="en-US" sz="2000" dirty="0" smtClean="0"/>
+              <a:t>離開按鈕實做上有問題，已和盧威宇討論，將會修改。</a:t>
+            </a:r>
+            <a:r>
+              <a:rPr lang="en-US" altLang="zh-TW" sz="2000" dirty="0" smtClean="0"/>
+              <a:t>(</a:t>
+            </a:r>
+            <a:r>
+              <a:rPr lang="zh-TW" altLang="en-US" sz="2000" dirty="0" smtClean="0"/>
+              <a:t>宣告問題</a:t>
+            </a:r>
+            <a:r>
+              <a:rPr lang="en-US" altLang="zh-TW" sz="2000" dirty="0" smtClean="0"/>
+              <a:t>)</a:t>
+            </a:r>
+            <a:endParaRPr lang="zh-TW" altLang="en-US" sz="2000" dirty="0"/>
+          </a:p>
+        </p:txBody>
+      </p:sp>
+    </p:spTree>
+    <p:extLst>
+      <p:ext uri="{BB962C8B-B14F-4D97-AF65-F5344CB8AC3E}">
+        <p14:creationId xmlns:p14="http://schemas.microsoft.com/office/powerpoint/2010/main" val="3288853067"/>
+      </p:ext>
+    </p:extLst>
+  </p:cSld>
+  <p:clrMapOvr>
+    <a:masterClrMapping/>
+  </p:clrMapOvr>
+  <p:timing>
+    <p:tnLst>
+      <p:par>
+        <p:cTn id="1" dur="indefinite" restart="never" nodeType="tmRoot"/>
+      </p:par>
+    </p:tnLst>
+  </p:timing>
+</p:sld>
+</file>
+
+<file path=ppt/slides/slide5.xml><?xml version="1.0" encoding="utf-8"?>
+<p:sld xmlns:a="http://schemas.openxmlformats.org/drawingml/2006/main" xmlns:r="http://schemas.openxmlformats.org/officeDocument/2006/relationships" xmlns:p="http://schemas.openxmlformats.org/presentationml/2006/main">
+  <p:cSld>
+    <p:spTree>
+      <p:nvGrpSpPr>
+        <p:cNvPr id="1" name=""/>
+        <p:cNvGrpSpPr/>
+        <p:nvPr/>
+      </p:nvGrpSpPr>
+      <p:grpSpPr>
+        <a:xfrm>
+          <a:off x="0" y="0"/>
+          <a:ext cx="0" cy="0"/>
+          <a:chOff x="0" y="0"/>
+          <a:chExt cx="0" cy="0"/>
+        </a:xfrm>
+      </p:grpSpPr>
+      <p:sp>
+        <p:nvSpPr>
+          <p:cNvPr id="2" name="標題 1"/>
+          <p:cNvSpPr>
+            <a:spLocks noGrp="1"/>
+          </p:cNvSpPr>
+          <p:nvPr>
+            <p:ph type="title"/>
+          </p:nvPr>
+        </p:nvSpPr>
+        <p:spPr>
+          <a:xfrm>
+            <a:off x="0" y="12133"/>
+            <a:ext cx="10515600" cy="1325563"/>
+          </a:xfrm>
+        </p:spPr>
+        <p:txBody>
+          <a:bodyPr/>
+          <a:lstStyle/>
+          <a:p>
+            <a:r>
+              <a:rPr lang="zh-TW" altLang="en-US" dirty="0" smtClean="0"/>
+              <a:t>現在的問題</a:t>
+            </a:r>
+            <a:endParaRPr lang="zh-TW" altLang="en-US" dirty="0"/>
+          </a:p>
+        </p:txBody>
+      </p:sp>
+      <p:sp>
+        <p:nvSpPr>
+          <p:cNvPr id="4" name="文字方塊 3"/>
+          <p:cNvSpPr txBox="1"/>
+          <p:nvPr/>
+        </p:nvSpPr>
+        <p:spPr>
+          <a:xfrm>
+            <a:off x="0" y="1337696"/>
+            <a:ext cx="10824753" cy="5355312"/>
+          </a:xfrm>
+          <a:prstGeom prst="rect">
+            <a:avLst/>
+          </a:prstGeom>
+          <a:noFill/>
+        </p:spPr>
+        <p:txBody>
+          <a:bodyPr wrap="square" rtlCol="0">
+            <a:spAutoFit/>
+          </a:bodyPr>
+          <a:lstStyle/>
+          <a:p>
+            <a:r>
+              <a:rPr lang="en-US" altLang="zh-TW" dirty="0" smtClean="0"/>
+              <a:t>5.</a:t>
+            </a:r>
+            <a:r>
+              <a:rPr lang="en-US" altLang="zh-TW" dirty="0"/>
+              <a:t> </a:t>
+            </a:r>
+            <a:r>
+              <a:rPr lang="en-US" altLang="zh-TW" dirty="0" err="1" smtClean="0"/>
+              <a:t>ChooseObj</a:t>
+            </a:r>
+            <a:r>
+              <a:rPr lang="en-US" altLang="zh-TW" dirty="0"/>
+              <a:t> </a:t>
+            </a:r>
+            <a:r>
+              <a:rPr lang="en-US" altLang="zh-TW" dirty="0" smtClean="0"/>
+              <a:t>Activity</a:t>
+            </a:r>
+            <a:r>
+              <a:rPr lang="zh-TW" altLang="en-US" dirty="0" smtClean="0"/>
+              <a:t>還沒實做，我希望是讀取資料夾所有</a:t>
+            </a:r>
+            <a:r>
+              <a:rPr lang="en-US" altLang="zh-TW" dirty="0" err="1" smtClean="0"/>
+              <a:t>obj</a:t>
+            </a:r>
+            <a:r>
+              <a:rPr lang="zh-TW" altLang="en-US" dirty="0" smtClean="0"/>
+              <a:t>檔，然後有他的小張預覽圖顯示在手機上，使用者可以利用向左、右的方式瀏覽要使用的</a:t>
+            </a:r>
+            <a:r>
+              <a:rPr lang="en-US" altLang="zh-TW" dirty="0" err="1" smtClean="0"/>
+              <a:t>obj</a:t>
+            </a:r>
+            <a:r>
+              <a:rPr lang="zh-TW" altLang="en-US" dirty="0" smtClean="0"/>
+              <a:t>。</a:t>
+            </a:r>
+            <a:endParaRPr lang="en-US" altLang="zh-TW" dirty="0" smtClean="0"/>
+          </a:p>
+          <a:p>
+            <a:endParaRPr lang="en-US" altLang="zh-TW" dirty="0"/>
+          </a:p>
+          <a:p>
+            <a:endParaRPr lang="en-US" altLang="zh-TW" dirty="0" smtClean="0"/>
+          </a:p>
+          <a:p>
+            <a:endParaRPr lang="en-US" altLang="zh-TW" dirty="0"/>
+          </a:p>
+          <a:p>
+            <a:endParaRPr lang="en-US" altLang="zh-TW" dirty="0" smtClean="0"/>
+          </a:p>
+          <a:p>
+            <a:endParaRPr lang="en-US" altLang="zh-TW" dirty="0"/>
+          </a:p>
+          <a:p>
+            <a:endParaRPr lang="en-US" altLang="zh-TW" dirty="0" smtClean="0"/>
+          </a:p>
+          <a:p>
+            <a:endParaRPr lang="en-US" altLang="zh-TW" dirty="0" smtClean="0"/>
+          </a:p>
+          <a:p>
+            <a:endParaRPr lang="en-US" altLang="zh-TW" dirty="0"/>
+          </a:p>
+          <a:p>
+            <a:endParaRPr lang="en-US" altLang="zh-TW" dirty="0"/>
+          </a:p>
+          <a:p>
+            <a:endParaRPr lang="en-US" altLang="zh-TW" dirty="0" smtClean="0"/>
+          </a:p>
+          <a:p>
+            <a:endParaRPr lang="en-US" altLang="zh-TW" dirty="0" smtClean="0"/>
+          </a:p>
+          <a:p>
+            <a:endParaRPr lang="en-US" altLang="zh-TW" dirty="0"/>
+          </a:p>
+          <a:p>
+            <a:endParaRPr lang="en-US" altLang="zh-TW" dirty="0" smtClean="0"/>
+          </a:p>
+          <a:p>
+            <a:r>
+              <a:rPr lang="en-US" altLang="zh-TW" dirty="0" smtClean="0"/>
+              <a:t>6.</a:t>
+            </a:r>
+            <a:r>
+              <a:rPr lang="zh-TW" altLang="en-US" dirty="0" smtClean="0"/>
+              <a:t>選擇</a:t>
+            </a:r>
+            <a:r>
+              <a:rPr lang="en-US" altLang="zh-TW" dirty="0" smtClean="0"/>
+              <a:t>OBJ</a:t>
+            </a:r>
+            <a:r>
+              <a:rPr lang="zh-TW" altLang="en-US" dirty="0" smtClean="0"/>
+              <a:t>路徑，張哲瑋還沒有寫好，原本預定暫時先輸入</a:t>
+            </a:r>
+            <a:r>
+              <a:rPr lang="en-US" altLang="zh-TW" dirty="0" smtClean="0"/>
+              <a:t>site</a:t>
+            </a:r>
+            <a:r>
+              <a:rPr lang="zh-TW" altLang="en-US" dirty="0" smtClean="0"/>
+              <a:t>儲存在手機裡，下次讀取的時候，要能讀出來。因為在</a:t>
+            </a:r>
+            <a:r>
+              <a:rPr lang="en-US" altLang="zh-TW" dirty="0" err="1" smtClean="0"/>
+              <a:t>ChooseObj</a:t>
+            </a:r>
+            <a:r>
+              <a:rPr lang="zh-TW" altLang="en-US" dirty="0" smtClean="0"/>
+              <a:t>時，必須讀這個路徑才知道</a:t>
+            </a:r>
+            <a:r>
+              <a:rPr lang="en-US" altLang="zh-TW" dirty="0" err="1" smtClean="0"/>
+              <a:t>obj</a:t>
+            </a:r>
+            <a:r>
+              <a:rPr lang="zh-TW" altLang="en-US" dirty="0" smtClean="0"/>
+              <a:t>檔在哪個資料夾。</a:t>
+            </a:r>
+            <a:r>
+              <a:rPr lang="en-US" altLang="zh-TW" dirty="0" smtClean="0"/>
+              <a:t>(</a:t>
+            </a:r>
+            <a:r>
+              <a:rPr lang="zh-TW" altLang="en-US" dirty="0" smtClean="0"/>
+              <a:t>可以改寫成搜尋記憶卡的</a:t>
+            </a:r>
+            <a:r>
+              <a:rPr lang="zh-TW" altLang="en-US" dirty="0"/>
+              <a:t>所有</a:t>
+            </a:r>
+            <a:r>
+              <a:rPr lang="zh-TW" altLang="en-US" dirty="0" smtClean="0"/>
+              <a:t>資料夾尋找*</a:t>
+            </a:r>
+            <a:r>
+              <a:rPr lang="en-US" altLang="zh-TW" dirty="0" smtClean="0"/>
+              <a:t>.</a:t>
+            </a:r>
+            <a:r>
+              <a:rPr lang="en-US" altLang="zh-TW" dirty="0" err="1" smtClean="0"/>
+              <a:t>obj</a:t>
+            </a:r>
+            <a:r>
+              <a:rPr lang="en-US" altLang="zh-TW" dirty="0" smtClean="0"/>
+              <a:t>)</a:t>
+            </a:r>
+          </a:p>
+          <a:p>
+            <a:endParaRPr lang="en-US" altLang="zh-TW" dirty="0"/>
+          </a:p>
+        </p:txBody>
+      </p:sp>
+      <p:grpSp>
+        <p:nvGrpSpPr>
+          <p:cNvPr id="26" name="群組 25"/>
+          <p:cNvGrpSpPr/>
+          <p:nvPr/>
+        </p:nvGrpSpPr>
+        <p:grpSpPr>
+          <a:xfrm>
+            <a:off x="2527661" y="2164081"/>
+            <a:ext cx="5769429" cy="2878182"/>
+            <a:chOff x="1750423" y="2468881"/>
+            <a:chExt cx="5769429" cy="2878182"/>
+          </a:xfrm>
+        </p:grpSpPr>
+        <p:sp>
+          <p:nvSpPr>
+            <p:cNvPr id="8" name="矩形 7"/>
+            <p:cNvSpPr/>
+            <p:nvPr/>
+          </p:nvSpPr>
+          <p:spPr>
+            <a:xfrm>
+              <a:off x="3905796" y="3152503"/>
+              <a:ext cx="1497874" cy="1959428"/>
+            </a:xfrm>
+            <a:prstGeom prst="rect">
+              <a:avLst/>
+            </a:prstGeom>
+          </p:spPr>
+          <p:style>
+            <a:lnRef idx="2">
+              <a:schemeClr val="accent1">
+                <a:shade val="50000"/>
+              </a:schemeClr>
+            </a:lnRef>
+            <a:fillRef idx="1">
+              <a:schemeClr val="accent1"/>
+            </a:fillRef>
+            <a:effectRef idx="0">
+              <a:schemeClr val="accent1"/>
+            </a:effectRef>
+            <a:fontRef idx="minor">
+              <a:schemeClr val="lt1"/>
+            </a:fontRef>
+          </p:style>
+          <p:txBody>
+            <a:bodyPr rtlCol="0" anchor="ctr"/>
+            <a:lstStyle/>
+            <a:p>
+              <a:pPr algn="ctr"/>
+              <a:endParaRPr lang="zh-TW" altLang="en-US"/>
+            </a:p>
+          </p:txBody>
+        </p:sp>
+        <p:sp>
+          <p:nvSpPr>
+            <p:cNvPr id="9" name="矩形 8"/>
+            <p:cNvSpPr/>
+            <p:nvPr/>
+          </p:nvSpPr>
+          <p:spPr>
+            <a:xfrm>
+              <a:off x="1850573" y="2468881"/>
+              <a:ext cx="439782" cy="683622"/>
+            </a:xfrm>
+            <a:prstGeom prst="rect">
+              <a:avLst/>
+            </a:prstGeom>
+          </p:spPr>
+          <p:style>
+            <a:lnRef idx="2">
+              <a:schemeClr val="accent1">
+                <a:shade val="50000"/>
+              </a:schemeClr>
+            </a:lnRef>
+            <a:fillRef idx="1">
+              <a:schemeClr val="accent1"/>
+            </a:fillRef>
+            <a:effectRef idx="0">
+              <a:schemeClr val="accent1"/>
+            </a:effectRef>
+            <a:fontRef idx="minor">
+              <a:schemeClr val="lt1"/>
+            </a:fontRef>
+          </p:style>
+          <p:txBody>
+            <a:bodyPr rtlCol="0" anchor="ctr"/>
+            <a:lstStyle/>
+            <a:p>
+              <a:pPr algn="ctr"/>
+              <a:endParaRPr lang="zh-TW" altLang="en-US"/>
+            </a:p>
+          </p:txBody>
+        </p:sp>
+        <p:sp>
+          <p:nvSpPr>
+            <p:cNvPr id="10" name="矩形 9"/>
+            <p:cNvSpPr/>
+            <p:nvPr/>
+          </p:nvSpPr>
+          <p:spPr>
+            <a:xfrm>
+              <a:off x="2538550" y="2873829"/>
+              <a:ext cx="831667" cy="1377002"/>
+            </a:xfrm>
+            <a:prstGeom prst="rect">
+              <a:avLst/>
+            </a:prstGeom>
+          </p:spPr>
+          <p:style>
+            <a:lnRef idx="2">
+              <a:schemeClr val="accent1">
+                <a:shade val="50000"/>
+              </a:schemeClr>
+            </a:lnRef>
+            <a:fillRef idx="1">
+              <a:schemeClr val="accent1"/>
+            </a:fillRef>
+            <a:effectRef idx="0">
+              <a:schemeClr val="accent1"/>
+            </a:effectRef>
+            <a:fontRef idx="minor">
+              <a:schemeClr val="lt1"/>
+            </a:fontRef>
+          </p:style>
+          <p:txBody>
+            <a:bodyPr rtlCol="0" anchor="ctr"/>
+            <a:lstStyle/>
+            <a:p>
+              <a:pPr algn="ctr"/>
+              <a:endParaRPr lang="zh-TW" altLang="en-US"/>
+            </a:p>
+          </p:txBody>
+        </p:sp>
+        <p:sp>
+          <p:nvSpPr>
+            <p:cNvPr id="11" name="矩形 10"/>
+            <p:cNvSpPr/>
+            <p:nvPr/>
+          </p:nvSpPr>
+          <p:spPr>
+            <a:xfrm>
+              <a:off x="5995853" y="2873829"/>
+              <a:ext cx="831667" cy="1377002"/>
+            </a:xfrm>
+            <a:prstGeom prst="rect">
+              <a:avLst/>
+            </a:prstGeom>
+          </p:spPr>
+          <p:style>
+            <a:lnRef idx="2">
+              <a:schemeClr val="accent1">
+                <a:shade val="50000"/>
+              </a:schemeClr>
+            </a:lnRef>
+            <a:fillRef idx="1">
+              <a:schemeClr val="accent1"/>
+            </a:fillRef>
+            <a:effectRef idx="0">
+              <a:schemeClr val="accent1"/>
+            </a:effectRef>
+            <a:fontRef idx="minor">
+              <a:schemeClr val="lt1"/>
+            </a:fontRef>
+          </p:style>
+          <p:txBody>
+            <a:bodyPr rtlCol="0" anchor="ctr"/>
+            <a:lstStyle/>
+            <a:p>
+              <a:pPr algn="ctr"/>
+              <a:endParaRPr lang="zh-TW" altLang="en-US"/>
+            </a:p>
+          </p:txBody>
+        </p:sp>
+        <p:sp>
+          <p:nvSpPr>
+            <p:cNvPr id="12" name="矩形 11"/>
+            <p:cNvSpPr/>
+            <p:nvPr/>
+          </p:nvSpPr>
+          <p:spPr>
+            <a:xfrm>
+              <a:off x="7080070" y="2468881"/>
+              <a:ext cx="439782" cy="683622"/>
+            </a:xfrm>
+            <a:prstGeom prst="rect">
+              <a:avLst/>
+            </a:prstGeom>
+          </p:spPr>
+          <p:style>
+            <a:lnRef idx="2">
+              <a:schemeClr val="accent1">
+                <a:shade val="50000"/>
+              </a:schemeClr>
+            </a:lnRef>
+            <a:fillRef idx="1">
+              <a:schemeClr val="accent1"/>
+            </a:fillRef>
+            <a:effectRef idx="0">
+              <a:schemeClr val="accent1"/>
+            </a:effectRef>
+            <a:fontRef idx="minor">
+              <a:schemeClr val="lt1"/>
+            </a:fontRef>
+          </p:style>
+          <p:txBody>
+            <a:bodyPr rtlCol="0" anchor="ctr"/>
+            <a:lstStyle/>
+            <a:p>
+              <a:pPr algn="ctr"/>
+              <a:endParaRPr lang="zh-TW" altLang="en-US"/>
+            </a:p>
+          </p:txBody>
+        </p:sp>
+        <p:grpSp>
+          <p:nvGrpSpPr>
+            <p:cNvPr id="25" name="群組 24"/>
+            <p:cNvGrpSpPr/>
+            <p:nvPr/>
+          </p:nvGrpSpPr>
+          <p:grpSpPr>
+            <a:xfrm>
+              <a:off x="1750423" y="4441371"/>
+              <a:ext cx="5599611" cy="905692"/>
+              <a:chOff x="1750423" y="4441371"/>
+              <a:chExt cx="5599611" cy="905692"/>
+            </a:xfrm>
+          </p:grpSpPr>
+          <p:sp>
+            <p:nvSpPr>
+              <p:cNvPr id="18" name="手繪多邊形 17"/>
+              <p:cNvSpPr/>
+              <p:nvPr/>
+            </p:nvSpPr>
+            <p:spPr>
+              <a:xfrm>
+                <a:off x="1750423" y="4972594"/>
+                <a:ext cx="4859383" cy="374469"/>
+              </a:xfrm>
+              <a:custGeom>
+                <a:avLst/>
+                <a:gdLst>
+                  <a:gd name="connsiteX0" fmla="*/ 0 w 8142514"/>
+                  <a:gd name="connsiteY0" fmla="*/ 853440 h 2177245"/>
+                  <a:gd name="connsiteX1" fmla="*/ 2603863 w 8142514"/>
+                  <a:gd name="connsiteY1" fmla="*/ 2046514 h 2177245"/>
+                  <a:gd name="connsiteX2" fmla="*/ 6435634 w 8142514"/>
+                  <a:gd name="connsiteY2" fmla="*/ 1915886 h 2177245"/>
+                  <a:gd name="connsiteX3" fmla="*/ 8142514 w 8142514"/>
+                  <a:gd name="connsiteY3" fmla="*/ 0 h 2177245"/>
+                  <a:gd name="connsiteX4" fmla="*/ 8142514 w 8142514"/>
+                  <a:gd name="connsiteY4" fmla="*/ 0 h 2177245"/>
+                </a:gdLst>
+                <a:ahLst/>
+                <a:cxnLst>
+                  <a:cxn ang="0">
+                    <a:pos x="connsiteX0" y="connsiteY0"/>
+                  </a:cxn>
+                  <a:cxn ang="0">
+                    <a:pos x="connsiteX1" y="connsiteY1"/>
+                  </a:cxn>
+                  <a:cxn ang="0">
+                    <a:pos x="connsiteX2" y="connsiteY2"/>
+                  </a:cxn>
+                  <a:cxn ang="0">
+                    <a:pos x="connsiteX3" y="connsiteY3"/>
+                  </a:cxn>
+                  <a:cxn ang="0">
+                    <a:pos x="connsiteX4" y="connsiteY4"/>
+                  </a:cxn>
+                </a:cxnLst>
+                <a:rect l="l" t="t" r="r" b="b"/>
+                <a:pathLst>
+                  <a:path w="8142514" h="2177245">
+                    <a:moveTo>
+                      <a:pt x="0" y="853440"/>
+                    </a:moveTo>
+                    <a:cubicBezTo>
+                      <a:pt x="765628" y="1361440"/>
+                      <a:pt x="1531257" y="1869440"/>
+                      <a:pt x="2603863" y="2046514"/>
+                    </a:cubicBezTo>
+                    <a:cubicBezTo>
+                      <a:pt x="3676469" y="2223588"/>
+                      <a:pt x="5512526" y="2256972"/>
+                      <a:pt x="6435634" y="1915886"/>
+                    </a:cubicBezTo>
+                    <a:cubicBezTo>
+                      <a:pt x="7358742" y="1574800"/>
+                      <a:pt x="8142514" y="0"/>
+                      <a:pt x="8142514" y="0"/>
+                    </a:cubicBezTo>
+                    <a:lnTo>
+                      <a:pt x="8142514" y="0"/>
+                    </a:lnTo>
+                  </a:path>
+                </a:pathLst>
+              </a:custGeom>
+              <a:noFill/>
+              <a:ln>
+                <a:solidFill>
+                  <a:schemeClr val="tx1"/>
+                </a:solidFill>
+              </a:ln>
+            </p:spPr>
+            <p:style>
+              <a:lnRef idx="2">
+                <a:schemeClr val="accent1">
+                  <a:shade val="50000"/>
+                </a:schemeClr>
+              </a:lnRef>
+              <a:fillRef idx="1">
+                <a:schemeClr val="accent1"/>
+              </a:fillRef>
+              <a:effectRef idx="0">
+                <a:schemeClr val="accent1"/>
+              </a:effectRef>
+              <a:fontRef idx="minor">
+                <a:schemeClr val="lt1"/>
+              </a:fontRef>
+            </p:style>
+            <p:txBody>
+              <a:bodyPr rtlCol="0" anchor="ctr"/>
+              <a:lstStyle/>
+              <a:p>
+                <a:pPr algn="ctr"/>
+                <a:endParaRPr lang="zh-TW" altLang="en-US"/>
+              </a:p>
+            </p:txBody>
+          </p:sp>
+          <p:cxnSp>
+            <p:nvCxnSpPr>
+              <p:cNvPr id="20" name="直線單箭頭接點 19"/>
+              <p:cNvCxnSpPr/>
+              <p:nvPr/>
+            </p:nvCxnSpPr>
+            <p:spPr>
+              <a:xfrm flipV="1">
+                <a:off x="6609806" y="4441371"/>
+                <a:ext cx="740228" cy="531223"/>
+              </a:xfrm>
+              <a:prstGeom prst="straightConnector1">
+                <a:avLst/>
+              </a:prstGeom>
+              <a:ln>
+                <a:solidFill>
+                  <a:schemeClr val="tx1"/>
+                </a:solidFill>
+                <a:tailEnd type="triangle"/>
+              </a:ln>
+            </p:spPr>
+            <p:style>
+              <a:lnRef idx="1">
+                <a:schemeClr val="accent1"/>
+              </a:lnRef>
+              <a:fillRef idx="0">
+                <a:schemeClr val="accent1"/>
+              </a:fillRef>
+              <a:effectRef idx="0">
+                <a:schemeClr val="accent1"/>
+              </a:effectRef>
+              <a:fontRef idx="minor">
+                <a:schemeClr val="tx1"/>
+              </a:fontRef>
+            </p:style>
+          </p:cxnSp>
+        </p:grpSp>
+      </p:grpSp>
+    </p:spTree>
+    <p:extLst>
+      <p:ext uri="{BB962C8B-B14F-4D97-AF65-F5344CB8AC3E}">
+        <p14:creationId xmlns:p14="http://schemas.microsoft.com/office/powerpoint/2010/main" val="4256008347"/>
+      </p:ext>
+    </p:extLst>
+  </p:cSld>
+  <p:clrMapOvr>
+    <a:masterClrMapping/>
+  </p:clrMapOvr>
+  <p:timing>
+    <p:tnLst>
+      <p:par>
+        <p:cTn id="1" dur="indefinite" restart="never" nodeType="tmRoot"/>
+      </p:par>
+    </p:tnLst>
+  </p:timing>
+</p:sld>
+</file>
+
+<file path=ppt/slides/slide6.xml><?xml version="1.0" encoding="utf-8"?>
+<p:sld xmlns:a="http://schemas.openxmlformats.org/drawingml/2006/main" xmlns:r="http://schemas.openxmlformats.org/officeDocument/2006/relationships" xmlns:p="http://schemas.openxmlformats.org/presentationml/2006/main">
+  <p:cSld>
+    <p:spTree>
+      <p:nvGrpSpPr>
+        <p:cNvPr id="1" name=""/>
+        <p:cNvGrpSpPr/>
+        <p:nvPr/>
+      </p:nvGrpSpPr>
+      <p:grpSpPr>
+        <a:xfrm>
+          <a:off x="0" y="0"/>
+          <a:ext cx="0" cy="0"/>
+          <a:chOff x="0" y="0"/>
+          <a:chExt cx="0" cy="0"/>
+        </a:xfrm>
+      </p:grpSpPr>
+      <p:sp>
+        <p:nvSpPr>
+          <p:cNvPr id="2" name="標題 1"/>
+          <p:cNvSpPr>
+            <a:spLocks noGrp="1"/>
+          </p:cNvSpPr>
+          <p:nvPr>
+            <p:ph type="title"/>
+          </p:nvPr>
+        </p:nvSpPr>
+        <p:spPr/>
+        <p:txBody>
+          <a:bodyPr/>
+          <a:lstStyle/>
+          <a:p>
+            <a:r>
+              <a:rPr lang="zh-TW" altLang="en-US" dirty="0" smtClean="0"/>
+              <a:t>現在的問題</a:t>
+            </a:r>
+            <a:endParaRPr lang="zh-TW" altLang="en-US" dirty="0"/>
+          </a:p>
+        </p:txBody>
+      </p:sp>
+      <p:sp>
+        <p:nvSpPr>
+          <p:cNvPr id="6" name="文字方塊 5"/>
+          <p:cNvSpPr txBox="1"/>
+          <p:nvPr/>
+        </p:nvSpPr>
+        <p:spPr>
+          <a:xfrm>
+            <a:off x="0" y="1337696"/>
+            <a:ext cx="10824753" cy="4616648"/>
+          </a:xfrm>
+          <a:prstGeom prst="rect">
+            <a:avLst/>
+          </a:prstGeom>
+          <a:noFill/>
+        </p:spPr>
+        <p:txBody>
+          <a:bodyPr wrap="square" rtlCol="0">
+            <a:spAutoFit/>
+          </a:bodyPr>
+          <a:lstStyle/>
+          <a:p>
+            <a:r>
+              <a:rPr lang="en-US" altLang="zh-TW" sz="2400" dirty="0"/>
+              <a:t>6.</a:t>
+            </a:r>
+            <a:r>
+              <a:rPr lang="zh-TW" altLang="en-US" sz="2400" dirty="0"/>
+              <a:t>選擇</a:t>
+            </a:r>
+            <a:r>
+              <a:rPr lang="en-US" altLang="zh-TW" sz="2400" dirty="0"/>
+              <a:t>OBJ</a:t>
+            </a:r>
+            <a:r>
+              <a:rPr lang="zh-TW" altLang="en-US" sz="2400" dirty="0"/>
+              <a:t>路徑，張哲瑋還沒有寫好，原本預定暫時先輸入</a:t>
+            </a:r>
+            <a:r>
+              <a:rPr lang="en-US" altLang="zh-TW" sz="2400" dirty="0"/>
+              <a:t>site</a:t>
+            </a:r>
+            <a:r>
+              <a:rPr lang="zh-TW" altLang="en-US" sz="2400" dirty="0"/>
+              <a:t>儲存在手機裡，下次讀取的時候，要能讀出來。因為在</a:t>
+            </a:r>
+            <a:r>
+              <a:rPr lang="en-US" altLang="zh-TW" sz="2400" dirty="0" err="1"/>
+              <a:t>ChooseObj</a:t>
+            </a:r>
+            <a:r>
+              <a:rPr lang="zh-TW" altLang="en-US" sz="2400" dirty="0"/>
+              <a:t>時，必須讀這個路徑才知道</a:t>
+            </a:r>
+            <a:r>
+              <a:rPr lang="en-US" altLang="zh-TW" sz="2400" dirty="0" err="1"/>
+              <a:t>obj</a:t>
+            </a:r>
+            <a:r>
+              <a:rPr lang="zh-TW" altLang="en-US" sz="2400" dirty="0"/>
+              <a:t>檔在哪個資料夾</a:t>
+            </a:r>
+            <a:r>
+              <a:rPr lang="zh-TW" altLang="en-US" sz="2400" dirty="0" smtClean="0"/>
+              <a:t>。</a:t>
+            </a:r>
+            <a:endParaRPr lang="en-US" altLang="zh-TW" sz="2400" dirty="0" smtClean="0"/>
+          </a:p>
+          <a:p>
+            <a:endParaRPr lang="en-US" altLang="zh-TW" sz="2400" dirty="0"/>
+          </a:p>
+          <a:p>
+            <a:r>
+              <a:rPr lang="en-US" altLang="zh-TW" sz="2400" dirty="0" smtClean="0"/>
+              <a:t>7. camera Activity</a:t>
+            </a:r>
+            <a:r>
+              <a:rPr lang="zh-TW" altLang="en-US" sz="2400" dirty="0" smtClean="0"/>
+              <a:t>的拍照、儲存相片、自動對焦、拉進拉遠、各種場景特效，這</a:t>
+            </a:r>
+            <a:r>
+              <a:rPr lang="zh-TW" altLang="en-US" sz="2400" dirty="0"/>
+              <a:t>些</a:t>
+            </a:r>
+            <a:r>
+              <a:rPr lang="zh-TW" altLang="en-US" sz="2400" dirty="0" smtClean="0"/>
+              <a:t>功能還沒實做，我打算將這些功能讓組員去選想做哪個，因為每一個東能，幾乎就等於一塊小領域，一個人要全部搞定有點忙。</a:t>
+            </a:r>
+            <a:endParaRPr lang="en-US" altLang="zh-TW" sz="2400" dirty="0"/>
+          </a:p>
+          <a:p>
+            <a:r>
+              <a:rPr lang="en-US" altLang="zh-TW" sz="2400" dirty="0" smtClean="0"/>
+              <a:t>(</a:t>
+            </a:r>
+            <a:r>
+              <a:rPr lang="zh-TW" altLang="en-US" sz="2400" dirty="0" smtClean="0"/>
+              <a:t>進度很落後</a:t>
+            </a:r>
+            <a:r>
+              <a:rPr lang="en-US" altLang="zh-TW" sz="2400" dirty="0" smtClean="0"/>
+              <a:t>!!!)</a:t>
+            </a:r>
+          </a:p>
+          <a:p>
+            <a:endParaRPr lang="en-US" altLang="zh-TW" sz="2400" dirty="0"/>
+          </a:p>
+          <a:p>
+            <a:r>
+              <a:rPr lang="en-US" altLang="zh-TW" sz="2400" dirty="0" smtClean="0"/>
+              <a:t>8.</a:t>
+            </a:r>
+            <a:r>
+              <a:rPr lang="zh-TW" altLang="en-US" sz="2400" dirty="0" smtClean="0"/>
+              <a:t>註解問題</a:t>
+            </a:r>
+            <a:endParaRPr lang="en-US" altLang="zh-TW" sz="2400" dirty="0" smtClean="0"/>
+          </a:p>
+          <a:p>
+            <a:endParaRPr lang="en-US" altLang="zh-TW" dirty="0"/>
+          </a:p>
+          <a:p>
+            <a:endParaRPr lang="en-US" altLang="zh-TW" dirty="0" smtClean="0"/>
+          </a:p>
+          <a:p>
+            <a:endParaRPr lang="en-US" altLang="zh-TW" dirty="0"/>
+          </a:p>
+        </p:txBody>
+      </p:sp>
+    </p:spTree>
+    <p:extLst>
+      <p:ext uri="{BB962C8B-B14F-4D97-AF65-F5344CB8AC3E}">
+        <p14:creationId xmlns:p14="http://schemas.microsoft.com/office/powerpoint/2010/main" val="184842165"/>
       </p:ext>
     </p:extLst>
   </p:cSld>
